--- a/OmikujiPowerpoint.pptx
+++ b/OmikujiPowerpoint.pptx
@@ -3963,19 +3963,18 @@
           <a:lstStyle/>
           <a:p>
             <a:pPr lvl="1"/>
-            <a:endParaRPr lang="en-US" altLang="ja-JP" dirty="0"/>
-          </a:p>
-          <a:p>
-            <a:pPr lvl="1"/>
-            <a:endParaRPr lang="en-US" altLang="ja-JP" dirty="0"/>
-          </a:p>
-          <a:p>
-            <a:pPr lvl="1"/>
+            <a:r>
+              <a:rPr lang="en-US" altLang="ja-JP" dirty="0"/>
+              <a:t>Python</a:t>
+            </a:r>
             <a:r>
               <a:rPr lang="ja-JP" altLang="en-US" dirty="0"/>
-              <a:t>ＣＳＳアニメーション</a:t>
-            </a:r>
-            <a:endParaRPr lang="en-US" altLang="ja-JP" dirty="0"/>
+              <a:t>の</a:t>
+            </a:r>
+            <a:r>
+              <a:rPr lang="en-US" altLang="ja-JP" dirty="0"/>
+              <a:t>random</a:t>
+            </a:r>
           </a:p>
           <a:p>
             <a:pPr lvl="2"/>
@@ -3983,6 +3982,24 @@
               <a:rPr lang="en-US" altLang="ja-JP" dirty="0">
                 <a:hlinkClick r:id="rId2"/>
               </a:rPr>
+              <a:t>https://note.nkmk.me/python-random-randrange-randint/</a:t>
+            </a:r>
+            <a:endParaRPr lang="en-US" altLang="ja-JP" dirty="0"/>
+          </a:p>
+          <a:p>
+            <a:pPr lvl="1"/>
+            <a:r>
+              <a:rPr lang="ja-JP" altLang="en-US" dirty="0"/>
+              <a:t>ＣＳＳアニメーション</a:t>
+            </a:r>
+            <a:endParaRPr lang="en-US" altLang="ja-JP" dirty="0"/>
+          </a:p>
+          <a:p>
+            <a:pPr lvl="2"/>
+            <a:r>
+              <a:rPr lang="en-US" altLang="ja-JP" dirty="0">
+                <a:hlinkClick r:id="rId3"/>
+              </a:rPr>
               <a:t>https://qiita.com/soarflat/items/4a302e0cafa21477707f</a:t>
             </a:r>
             <a:endParaRPr lang="en-US" altLang="ja-JP" dirty="0"/>
@@ -4003,7 +4020,7 @@
             <a:pPr lvl="2"/>
             <a:r>
               <a:rPr lang="en-US" altLang="ja-JP" dirty="0">
-                <a:hlinkClick r:id="rId3"/>
+                <a:hlinkClick r:id="rId4"/>
               </a:rPr>
               <a:t>https://qiita.com/ug23/items/4c29dc6fded65766d197</a:t>
             </a:r>
@@ -4400,9 +4417,16 @@
             <p:ph idx="1"/>
           </p:nvPr>
         </p:nvSpPr>
-        <p:spPr/>
-        <p:txBody>
-          <a:bodyPr/>
+        <p:spPr>
+          <a:xfrm>
+            <a:off x="845126" y="1828800"/>
+            <a:ext cx="10750525" cy="4351337"/>
+          </a:xfrm>
+        </p:spPr>
+        <p:txBody>
+          <a:bodyPr>
+            <a:normAutofit lnSpcReduction="10000"/>
+          </a:bodyPr>
           <a:lstStyle/>
           <a:p>
             <a:r>
@@ -4441,6 +4465,60 @@
               <a:rPr lang="ja-JP" altLang="en-US" dirty="0"/>
               <a:t>の表示に影響が出ないようにするのが非常に大変でした。</a:t>
             </a:r>
+            <a:r>
+              <a:rPr lang="en-US" altLang="ja-JP" dirty="0"/>
+              <a:t>(</a:t>
+            </a:r>
+            <a:r>
+              <a:rPr lang="ja-JP" altLang="en-US" dirty="0"/>
+              <a:t>滝浦</a:t>
+            </a:r>
+            <a:r>
+              <a:rPr lang="en-US" altLang="ja-JP" dirty="0"/>
+              <a:t>)</a:t>
+            </a:r>
+          </a:p>
+          <a:p>
+            <a:r>
+              <a:rPr lang="en-US" altLang="ja-JP" dirty="0"/>
+              <a:t>views.py</a:t>
+            </a:r>
+            <a:r>
+              <a:rPr lang="ja-JP" altLang="en-US" dirty="0"/>
+              <a:t>が関数として参照されているのに気づかず、テキストファイルの参照がうまくいかなかったのにはとても苦労した。ファイル一つだけでなく、全体を見て考えることが重要だと学ぶことが出来た。</a:t>
+            </a:r>
+            <a:r>
+              <a:rPr lang="en-US" altLang="ja-JP" dirty="0"/>
+              <a:t>(</a:t>
+            </a:r>
+            <a:r>
+              <a:rPr lang="ja-JP" altLang="en-US" dirty="0"/>
+              <a:t>三枝</a:t>
+            </a:r>
+            <a:r>
+              <a:rPr lang="en-US" altLang="ja-JP" dirty="0"/>
+              <a:t>)</a:t>
+            </a:r>
+          </a:p>
+          <a:p>
+            <a:r>
+              <a:rPr lang="ja-JP" altLang="en-US" dirty="0"/>
+              <a:t>この授業では、心機一転先生が変わったあと早々に欠席をしてしまい、常に追いかける展開の取り組みとなってしまった。途中高野先生の所へと足を運び、お世話になった事もあり、なんとか落ち着く形にできたのではないかと思います。また、ペアのチームメイトの協力も大きく力不足の自分を助けてくれたことも大きかったです。</a:t>
+            </a:r>
+            <a:r>
+              <a:rPr lang="en-US" altLang="ja-JP" dirty="0"/>
+              <a:t>(</a:t>
+            </a:r>
+            <a:r>
+              <a:rPr lang="ja-JP" altLang="en-US" dirty="0"/>
+              <a:t>橘</a:t>
+            </a:r>
+            <a:r>
+              <a:rPr lang="en-US" altLang="ja-JP" dirty="0"/>
+              <a:t>)</a:t>
+            </a:r>
+          </a:p>
+          <a:p>
             <a:endParaRPr kumimoji="1" lang="ja-JP" altLang="en-US" dirty="0"/>
           </a:p>
         </p:txBody>

--- a/OmikujiPowerpoint.pptx
+++ b/OmikujiPowerpoint.pptx
@@ -3517,6 +3517,7 @@
               <a:rPr kumimoji="1" lang="ja-JP" altLang="en-US" dirty="0"/>
               <a:t>どの年代の人も共通して利用できる。</a:t>
             </a:r>
+            <a:endParaRPr kumimoji="1" lang="en-US" altLang="ja-JP" dirty="0"/>
           </a:p>
         </p:txBody>
       </p:sp>
@@ -4342,6 +4343,68 @@
           </a:p>
         </p:txBody>
       </p:sp>
+      <p:sp>
+        <p:nvSpPr>
+          <p:cNvPr id="3" name="テキスト ボックス 2">
+            <a:extLst>
+              <a:ext uri="{FF2B5EF4-FFF2-40B4-BE49-F238E27FC236}">
+                <a16:creationId xmlns:a16="http://schemas.microsoft.com/office/drawing/2014/main" id="{D0B48B15-71F0-44C6-9AF5-ADF1398813C9}"/>
+              </a:ext>
+            </a:extLst>
+          </p:cNvPr>
+          <p:cNvSpPr txBox="1"/>
+          <p:nvPr/>
+        </p:nvSpPr>
+        <p:spPr>
+          <a:xfrm>
+            <a:off x="838200" y="6049163"/>
+            <a:ext cx="10515600" cy="646331"/>
+          </a:xfrm>
+          <a:prstGeom prst="rect">
+            <a:avLst/>
+          </a:prstGeom>
+          <a:noFill/>
+        </p:spPr>
+        <p:txBody>
+          <a:bodyPr wrap="square" rtlCol="0">
+            <a:spAutoFit/>
+          </a:bodyPr>
+          <a:lstStyle/>
+          <a:p>
+            <a:r>
+              <a:rPr kumimoji="1" lang="en-US" altLang="ja-JP" dirty="0"/>
+              <a:t>※</a:t>
+            </a:r>
+            <a:r>
+              <a:rPr kumimoji="1" lang="ja-JP" altLang="en-US" dirty="0"/>
+              <a:t>上記の画像は</a:t>
+            </a:r>
+            <a:r>
+              <a:rPr kumimoji="1" lang="en-US" altLang="ja-JP" dirty="0"/>
+              <a:t>Google Chrome</a:t>
+            </a:r>
+            <a:r>
+              <a:rPr kumimoji="1" lang="ja-JP" altLang="en-US" dirty="0"/>
+              <a:t>で試したものです。</a:t>
+            </a:r>
+            <a:endParaRPr kumimoji="1" lang="en-US" altLang="ja-JP" dirty="0"/>
+          </a:p>
+          <a:p>
+            <a:r>
+              <a:rPr kumimoji="1" lang="ja-JP" altLang="en-US" dirty="0"/>
+              <a:t>　 </a:t>
+            </a:r>
+            <a:r>
+              <a:rPr kumimoji="1" lang="en-US" altLang="ja-JP" dirty="0"/>
+              <a:t>Microsoft Edge </a:t>
+            </a:r>
+            <a:r>
+              <a:rPr kumimoji="1" lang="ja-JP" altLang="en-US" dirty="0"/>
+              <a:t>では星の回転が綺麗になりませんでした。</a:t>
+            </a:r>
+          </a:p>
+        </p:txBody>
+      </p:sp>
     </p:spTree>
     <p:extLst>
       <p:ext uri="{BB962C8B-B14F-4D97-AF65-F5344CB8AC3E}">
